--- a/01_Docs_pruebaEcp/02_Pensemos SI_Pry Leopardo_DevOps.pptx
+++ b/01_Docs_pruebaEcp/02_Pensemos SI_Pry Leopardo_DevOps.pptx
@@ -6,15 +6,21 @@
   </p:sldMasterIdLst>
   <p:sldIdLst>
     <p:sldId id="281" r:id="rId2"/>
-    <p:sldId id="289" r:id="rId3"/>
-    <p:sldId id="290" r:id="rId4"/>
-    <p:sldId id="292" r:id="rId5"/>
-    <p:sldId id="282" r:id="rId6"/>
-    <p:sldId id="283" r:id="rId7"/>
-    <p:sldId id="284" r:id="rId8"/>
-    <p:sldId id="285" r:id="rId9"/>
-    <p:sldId id="286" r:id="rId10"/>
-    <p:sldId id="287" r:id="rId11"/>
+    <p:sldId id="293" r:id="rId3"/>
+    <p:sldId id="289" r:id="rId4"/>
+    <p:sldId id="290" r:id="rId5"/>
+    <p:sldId id="292" r:id="rId6"/>
+    <p:sldId id="282" r:id="rId7"/>
+    <p:sldId id="283" r:id="rId8"/>
+    <p:sldId id="284" r:id="rId9"/>
+    <p:sldId id="285" r:id="rId10"/>
+    <p:sldId id="286" r:id="rId11"/>
+    <p:sldId id="294" r:id="rId12"/>
+    <p:sldId id="295" r:id="rId13"/>
+    <p:sldId id="296" r:id="rId14"/>
+    <p:sldId id="287" r:id="rId15"/>
+    <p:sldId id="298" r:id="rId16"/>
+    <p:sldId id="300" r:id="rId17"/>
   </p:sldIdLst>
   <p:sldSz cx="12192000" cy="6858000"/>
   <p:notesSz cx="6858000" cy="9144000"/>
@@ -3342,6 +3348,984 @@
           </a:prstGeom>
         </p:spPr>
       </p:pic>
+      <p:pic>
+        <p:nvPicPr>
+          <p:cNvPr id="5" name="Imagen 4">
+            <a:extLst>
+              <a:ext uri="{FF2B5EF4-FFF2-40B4-BE49-F238E27FC236}">
+                <a16:creationId xmlns:a16="http://schemas.microsoft.com/office/drawing/2014/main" id="{5C56152E-440B-437B-95F7-6F5C7AE00FB2}"/>
+              </a:ext>
+            </a:extLst>
+          </p:cNvPr>
+          <p:cNvPicPr/>
+          <p:nvPr/>
+        </p:nvPicPr>
+        <p:blipFill>
+          <a:blip r:embed="rId3"/>
+          <a:stretch>
+            <a:fillRect/>
+          </a:stretch>
+        </p:blipFill>
+        <p:spPr>
+          <a:xfrm>
+            <a:off x="2598005" y="966374"/>
+            <a:ext cx="6995990" cy="4925251"/>
+          </a:xfrm>
+          <a:prstGeom prst="rect">
+            <a:avLst/>
+          </a:prstGeom>
+        </p:spPr>
+      </p:pic>
+      <p:sp>
+        <p:nvSpPr>
+          <p:cNvPr id="6" name="CuadroTexto 5">
+            <a:extLst>
+              <a:ext uri="{FF2B5EF4-FFF2-40B4-BE49-F238E27FC236}">
+                <a16:creationId xmlns:a16="http://schemas.microsoft.com/office/drawing/2014/main" id="{46DF9991-E8B0-4CBF-A347-5909A24AB6AF}"/>
+              </a:ext>
+            </a:extLst>
+          </p:cNvPr>
+          <p:cNvSpPr txBox="1"/>
+          <p:nvPr/>
+        </p:nvSpPr>
+        <p:spPr>
+          <a:xfrm>
+            <a:off x="3707129" y="298032"/>
+            <a:ext cx="4016805" cy="369332"/>
+          </a:xfrm>
+          <a:prstGeom prst="rect">
+            <a:avLst/>
+          </a:prstGeom>
+          <a:noFill/>
+        </p:spPr>
+        <p:txBody>
+          <a:bodyPr wrap="none" rtlCol="0">
+            <a:spAutoFit/>
+          </a:bodyPr>
+          <a:lstStyle/>
+          <a:p>
+            <a:r>
+              <a:rPr lang="es-ES" dirty="0"/>
+              <a:t>DESPLIEGUE CONTINUO AZURE - DEVOPS</a:t>
+            </a:r>
+            <a:endParaRPr lang="es-CO" dirty="0"/>
+          </a:p>
+        </p:txBody>
+      </p:sp>
+    </p:spTree>
+    <p:extLst>
+      <p:ext uri="{BB962C8B-B14F-4D97-AF65-F5344CB8AC3E}">
+        <p14:creationId xmlns:p14="http://schemas.microsoft.com/office/powerpoint/2010/main" val="1845507139"/>
+      </p:ext>
+    </p:extLst>
+  </p:cSld>
+  <p:clrMapOvr>
+    <a:masterClrMapping/>
+  </p:clrMapOvr>
+</p:sld>
+</file>
+
+<file path=ppt/slides/slide11.xml><?xml version="1.0" encoding="utf-8"?>
+<p:sld xmlns:a="http://schemas.openxmlformats.org/drawingml/2006/main" xmlns:r="http://schemas.openxmlformats.org/officeDocument/2006/relationships" xmlns:p="http://schemas.openxmlformats.org/presentationml/2006/main">
+  <p:cSld>
+    <p:spTree>
+      <p:nvGrpSpPr>
+        <p:cNvPr id="1" name=""/>
+        <p:cNvGrpSpPr/>
+        <p:nvPr/>
+      </p:nvGrpSpPr>
+      <p:grpSpPr>
+        <a:xfrm>
+          <a:off x="0" y="0"/>
+          <a:ext cx="0" cy="0"/>
+          <a:chOff x="0" y="0"/>
+          <a:chExt cx="0" cy="0"/>
+        </a:xfrm>
+      </p:grpSpPr>
+      <p:graphicFrame>
+        <p:nvGraphicFramePr>
+          <p:cNvPr id="66" name="Tabla 65">
+            <a:extLst>
+              <a:ext uri="{FF2B5EF4-FFF2-40B4-BE49-F238E27FC236}">
+                <a16:creationId xmlns:a16="http://schemas.microsoft.com/office/drawing/2014/main" id="{FCFC8CC3-B497-C94F-ADDA-908BCAE20E79}"/>
+              </a:ext>
+            </a:extLst>
+          </p:cNvPr>
+          <p:cNvGraphicFramePr>
+            <a:graphicFrameLocks noGrp="1"/>
+          </p:cNvGraphicFramePr>
+          <p:nvPr/>
+        </p:nvGraphicFramePr>
+        <p:xfrm>
+          <a:off x="291106" y="175202"/>
+          <a:ext cx="11570219" cy="628295"/>
+        </p:xfrm>
+        <a:graphic>
+          <a:graphicData uri="http://schemas.openxmlformats.org/drawingml/2006/table">
+            <a:tbl>
+              <a:tblPr firstRow="1" bandRow="1">
+                <a:tableStyleId>{5FD0F851-EC5A-4D38-B0AD-8093EC10F338}</a:tableStyleId>
+              </a:tblPr>
+              <a:tblGrid>
+                <a:gridCol w="11570219">
+                  <a:extLst>
+                    <a:ext uri="{9D8B030D-6E8A-4147-A177-3AD203B41FA5}">
+                      <a16:colId xmlns:a16="http://schemas.microsoft.com/office/drawing/2014/main" val="2952159737"/>
+                    </a:ext>
+                  </a:extLst>
+                </a:gridCol>
+              </a:tblGrid>
+              <a:tr h="628295">
+                <a:tc>
+                  <a:txBody>
+                    <a:bodyPr/>
+                    <a:lstStyle/>
+                    <a:p>
+                      <a:pPr algn="ctr"/>
+                      <a:endParaRPr lang="es-PE" sz="1800" dirty="0">
+                        <a:effectLst>
+                          <a:outerShdw blurRad="38100" dist="38100" dir="2700000" algn="tl">
+                            <a:srgbClr val="000000">
+                              <a:alpha val="43137"/>
+                            </a:srgbClr>
+                          </a:outerShdw>
+                        </a:effectLst>
+                      </a:endParaRPr>
+                    </a:p>
+                  </a:txBody>
+                  <a:tcPr anchor="ctr"/>
+                </a:tc>
+                <a:extLst>
+                  <a:ext uri="{0D108BD9-81ED-4DB2-BD59-A6C34878D82A}">
+                    <a16:rowId xmlns:a16="http://schemas.microsoft.com/office/drawing/2014/main" val="3283664342"/>
+                  </a:ext>
+                </a:extLst>
+              </a:tr>
+            </a:tbl>
+          </a:graphicData>
+        </a:graphic>
+      </p:graphicFrame>
+      <p:sp>
+        <p:nvSpPr>
+          <p:cNvPr id="282" name="Rectángulo redondeado 281">
+            <a:extLst>
+              <a:ext uri="{FF2B5EF4-FFF2-40B4-BE49-F238E27FC236}">
+                <a16:creationId xmlns:a16="http://schemas.microsoft.com/office/drawing/2014/main" id="{043A9970-5DB8-BF41-8012-E4C17B3B8543}"/>
+              </a:ext>
+            </a:extLst>
+          </p:cNvPr>
+          <p:cNvSpPr/>
+          <p:nvPr/>
+        </p:nvSpPr>
+        <p:spPr>
+          <a:xfrm>
+            <a:off x="139673" y="127246"/>
+            <a:ext cx="11875543" cy="6581898"/>
+          </a:xfrm>
+          <a:prstGeom prst="roundRect">
+            <a:avLst>
+              <a:gd name="adj" fmla="val 3582"/>
+            </a:avLst>
+          </a:prstGeom>
+          <a:noFill/>
+          <a:ln w="28575">
+            <a:solidFill>
+              <a:schemeClr val="accent5">
+                <a:lumMod val="75000"/>
+              </a:schemeClr>
+            </a:solidFill>
+          </a:ln>
+        </p:spPr>
+        <p:style>
+          <a:lnRef idx="2">
+            <a:schemeClr val="accent1">
+              <a:shade val="50000"/>
+            </a:schemeClr>
+          </a:lnRef>
+          <a:fillRef idx="1">
+            <a:schemeClr val="accent1"/>
+          </a:fillRef>
+          <a:effectRef idx="0">
+            <a:schemeClr val="accent1"/>
+          </a:effectRef>
+          <a:fontRef idx="minor">
+            <a:schemeClr val="lt1"/>
+          </a:fontRef>
+        </p:style>
+        <p:txBody>
+          <a:bodyPr rtlCol="0" anchor="ctr"/>
+          <a:lstStyle/>
+          <a:p>
+            <a:pPr algn="ctr"/>
+            <a:endParaRPr lang="es-CO"/>
+          </a:p>
+        </p:txBody>
+      </p:sp>
+      <p:pic>
+        <p:nvPicPr>
+          <p:cNvPr id="35" name="Imagen 34">
+            <a:extLst>
+              <a:ext uri="{FF2B5EF4-FFF2-40B4-BE49-F238E27FC236}">
+                <a16:creationId xmlns:a16="http://schemas.microsoft.com/office/drawing/2014/main" id="{BFBC6B94-A5ED-E34D-BF0B-749C6BC98981}"/>
+              </a:ext>
+            </a:extLst>
+          </p:cNvPr>
+          <p:cNvPicPr>
+            <a:picLocks noChangeAspect="1"/>
+          </p:cNvPicPr>
+          <p:nvPr/>
+        </p:nvPicPr>
+        <p:blipFill>
+          <a:blip r:embed="rId2"/>
+          <a:stretch>
+            <a:fillRect/>
+          </a:stretch>
+        </p:blipFill>
+        <p:spPr>
+          <a:xfrm>
+            <a:off x="328915" y="237654"/>
+            <a:ext cx="1978121" cy="519963"/>
+          </a:xfrm>
+          <a:prstGeom prst="rect">
+            <a:avLst/>
+          </a:prstGeom>
+        </p:spPr>
+      </p:pic>
+      <p:sp>
+        <p:nvSpPr>
+          <p:cNvPr id="7" name="CuadroTexto 6">
+            <a:extLst>
+              <a:ext uri="{FF2B5EF4-FFF2-40B4-BE49-F238E27FC236}">
+                <a16:creationId xmlns:a16="http://schemas.microsoft.com/office/drawing/2014/main" id="{DBD45B2C-C6A9-4E8C-A393-481205303052}"/>
+              </a:ext>
+            </a:extLst>
+          </p:cNvPr>
+          <p:cNvSpPr txBox="1"/>
+          <p:nvPr/>
+        </p:nvSpPr>
+        <p:spPr>
+          <a:xfrm>
+            <a:off x="3707129" y="298032"/>
+            <a:ext cx="4016805" cy="369332"/>
+          </a:xfrm>
+          <a:prstGeom prst="rect">
+            <a:avLst/>
+          </a:prstGeom>
+          <a:noFill/>
+        </p:spPr>
+        <p:txBody>
+          <a:bodyPr wrap="none" rtlCol="0">
+            <a:spAutoFit/>
+          </a:bodyPr>
+          <a:lstStyle/>
+          <a:p>
+            <a:r>
+              <a:rPr lang="es-ES" dirty="0"/>
+              <a:t>DESPLIEGUE CONTINUO AZURE - DEVOPS</a:t>
+            </a:r>
+            <a:endParaRPr lang="es-CO" dirty="0"/>
+          </a:p>
+        </p:txBody>
+      </p:sp>
+      <p:pic>
+        <p:nvPicPr>
+          <p:cNvPr id="3" name="Imagen 2"/>
+          <p:cNvPicPr>
+            <a:picLocks noChangeAspect="1"/>
+          </p:cNvPicPr>
+          <p:nvPr/>
+        </p:nvPicPr>
+        <p:blipFill>
+          <a:blip r:embed="rId3">
+            <a:extLst>
+              <a:ext uri="{28A0092B-C50C-407E-A947-70E740481C1C}">
+                <a14:useLocalDpi xmlns:a14="http://schemas.microsoft.com/office/drawing/2010/main" val="0"/>
+              </a:ext>
+            </a:extLst>
+          </a:blip>
+          <a:stretch>
+            <a:fillRect/>
+          </a:stretch>
+        </p:blipFill>
+        <p:spPr>
+          <a:xfrm>
+            <a:off x="1047015" y="1213343"/>
+            <a:ext cx="10058400" cy="4776626"/>
+          </a:xfrm>
+          <a:prstGeom prst="rect">
+            <a:avLst/>
+          </a:prstGeom>
+        </p:spPr>
+      </p:pic>
+    </p:spTree>
+    <p:extLst>
+      <p:ext uri="{BB962C8B-B14F-4D97-AF65-F5344CB8AC3E}">
+        <p14:creationId xmlns:p14="http://schemas.microsoft.com/office/powerpoint/2010/main" val="269609104"/>
+      </p:ext>
+    </p:extLst>
+  </p:cSld>
+  <p:clrMapOvr>
+    <a:masterClrMapping/>
+  </p:clrMapOvr>
+</p:sld>
+</file>
+
+<file path=ppt/slides/slide12.xml><?xml version="1.0" encoding="utf-8"?>
+<p:sld xmlns:a="http://schemas.openxmlformats.org/drawingml/2006/main" xmlns:r="http://schemas.openxmlformats.org/officeDocument/2006/relationships" xmlns:p="http://schemas.openxmlformats.org/presentationml/2006/main">
+  <p:cSld>
+    <p:spTree>
+      <p:nvGrpSpPr>
+        <p:cNvPr id="1" name=""/>
+        <p:cNvGrpSpPr/>
+        <p:nvPr/>
+      </p:nvGrpSpPr>
+      <p:grpSpPr>
+        <a:xfrm>
+          <a:off x="0" y="0"/>
+          <a:ext cx="0" cy="0"/>
+          <a:chOff x="0" y="0"/>
+          <a:chExt cx="0" cy="0"/>
+        </a:xfrm>
+      </p:grpSpPr>
+      <p:graphicFrame>
+        <p:nvGraphicFramePr>
+          <p:cNvPr id="66" name="Tabla 65">
+            <a:extLst>
+              <a:ext uri="{FF2B5EF4-FFF2-40B4-BE49-F238E27FC236}">
+                <a16:creationId xmlns:a16="http://schemas.microsoft.com/office/drawing/2014/main" id="{FCFC8CC3-B497-C94F-ADDA-908BCAE20E79}"/>
+              </a:ext>
+            </a:extLst>
+          </p:cNvPr>
+          <p:cNvGraphicFramePr>
+            <a:graphicFrameLocks noGrp="1"/>
+          </p:cNvGraphicFramePr>
+          <p:nvPr/>
+        </p:nvGraphicFramePr>
+        <p:xfrm>
+          <a:off x="291106" y="175202"/>
+          <a:ext cx="11570219" cy="628295"/>
+        </p:xfrm>
+        <a:graphic>
+          <a:graphicData uri="http://schemas.openxmlformats.org/drawingml/2006/table">
+            <a:tbl>
+              <a:tblPr firstRow="1" bandRow="1">
+                <a:tableStyleId>{5FD0F851-EC5A-4D38-B0AD-8093EC10F338}</a:tableStyleId>
+              </a:tblPr>
+              <a:tblGrid>
+                <a:gridCol w="11570219">
+                  <a:extLst>
+                    <a:ext uri="{9D8B030D-6E8A-4147-A177-3AD203B41FA5}">
+                      <a16:colId xmlns:a16="http://schemas.microsoft.com/office/drawing/2014/main" val="2952159737"/>
+                    </a:ext>
+                  </a:extLst>
+                </a:gridCol>
+              </a:tblGrid>
+              <a:tr h="628295">
+                <a:tc>
+                  <a:txBody>
+                    <a:bodyPr/>
+                    <a:lstStyle/>
+                    <a:p>
+                      <a:pPr algn="ctr"/>
+                      <a:endParaRPr lang="es-PE" sz="1800" dirty="0">
+                        <a:effectLst>
+                          <a:outerShdw blurRad="38100" dist="38100" dir="2700000" algn="tl">
+                            <a:srgbClr val="000000">
+                              <a:alpha val="43137"/>
+                            </a:srgbClr>
+                          </a:outerShdw>
+                        </a:effectLst>
+                      </a:endParaRPr>
+                    </a:p>
+                  </a:txBody>
+                  <a:tcPr anchor="ctr"/>
+                </a:tc>
+                <a:extLst>
+                  <a:ext uri="{0D108BD9-81ED-4DB2-BD59-A6C34878D82A}">
+                    <a16:rowId xmlns:a16="http://schemas.microsoft.com/office/drawing/2014/main" val="3283664342"/>
+                  </a:ext>
+                </a:extLst>
+              </a:tr>
+            </a:tbl>
+          </a:graphicData>
+        </a:graphic>
+      </p:graphicFrame>
+      <p:sp>
+        <p:nvSpPr>
+          <p:cNvPr id="282" name="Rectángulo redondeado 281">
+            <a:extLst>
+              <a:ext uri="{FF2B5EF4-FFF2-40B4-BE49-F238E27FC236}">
+                <a16:creationId xmlns:a16="http://schemas.microsoft.com/office/drawing/2014/main" id="{043A9970-5DB8-BF41-8012-E4C17B3B8543}"/>
+              </a:ext>
+            </a:extLst>
+          </p:cNvPr>
+          <p:cNvSpPr/>
+          <p:nvPr/>
+        </p:nvSpPr>
+        <p:spPr>
+          <a:xfrm>
+            <a:off x="139673" y="127246"/>
+            <a:ext cx="11875543" cy="6581898"/>
+          </a:xfrm>
+          <a:prstGeom prst="roundRect">
+            <a:avLst>
+              <a:gd name="adj" fmla="val 3582"/>
+            </a:avLst>
+          </a:prstGeom>
+          <a:noFill/>
+          <a:ln w="28575">
+            <a:solidFill>
+              <a:schemeClr val="accent5">
+                <a:lumMod val="75000"/>
+              </a:schemeClr>
+            </a:solidFill>
+          </a:ln>
+        </p:spPr>
+        <p:style>
+          <a:lnRef idx="2">
+            <a:schemeClr val="accent1">
+              <a:shade val="50000"/>
+            </a:schemeClr>
+          </a:lnRef>
+          <a:fillRef idx="1">
+            <a:schemeClr val="accent1"/>
+          </a:fillRef>
+          <a:effectRef idx="0">
+            <a:schemeClr val="accent1"/>
+          </a:effectRef>
+          <a:fontRef idx="minor">
+            <a:schemeClr val="lt1"/>
+          </a:fontRef>
+        </p:style>
+        <p:txBody>
+          <a:bodyPr rtlCol="0" anchor="ctr"/>
+          <a:lstStyle/>
+          <a:p>
+            <a:pPr algn="ctr"/>
+            <a:endParaRPr lang="es-CO"/>
+          </a:p>
+        </p:txBody>
+      </p:sp>
+      <p:pic>
+        <p:nvPicPr>
+          <p:cNvPr id="35" name="Imagen 34">
+            <a:extLst>
+              <a:ext uri="{FF2B5EF4-FFF2-40B4-BE49-F238E27FC236}">
+                <a16:creationId xmlns:a16="http://schemas.microsoft.com/office/drawing/2014/main" id="{BFBC6B94-A5ED-E34D-BF0B-749C6BC98981}"/>
+              </a:ext>
+            </a:extLst>
+          </p:cNvPr>
+          <p:cNvPicPr>
+            <a:picLocks noChangeAspect="1"/>
+          </p:cNvPicPr>
+          <p:nvPr/>
+        </p:nvPicPr>
+        <p:blipFill>
+          <a:blip r:embed="rId2"/>
+          <a:stretch>
+            <a:fillRect/>
+          </a:stretch>
+        </p:blipFill>
+        <p:spPr>
+          <a:xfrm>
+            <a:off x="328915" y="237654"/>
+            <a:ext cx="1978121" cy="519963"/>
+          </a:xfrm>
+          <a:prstGeom prst="rect">
+            <a:avLst/>
+          </a:prstGeom>
+        </p:spPr>
+      </p:pic>
+      <p:sp>
+        <p:nvSpPr>
+          <p:cNvPr id="7" name="CuadroTexto 6">
+            <a:extLst>
+              <a:ext uri="{FF2B5EF4-FFF2-40B4-BE49-F238E27FC236}">
+                <a16:creationId xmlns:a16="http://schemas.microsoft.com/office/drawing/2014/main" id="{DBD45B2C-C6A9-4E8C-A393-481205303052}"/>
+              </a:ext>
+            </a:extLst>
+          </p:cNvPr>
+          <p:cNvSpPr txBox="1"/>
+          <p:nvPr/>
+        </p:nvSpPr>
+        <p:spPr>
+          <a:xfrm>
+            <a:off x="3707129" y="298032"/>
+            <a:ext cx="4016805" cy="369332"/>
+          </a:xfrm>
+          <a:prstGeom prst="rect">
+            <a:avLst/>
+          </a:prstGeom>
+          <a:noFill/>
+        </p:spPr>
+        <p:txBody>
+          <a:bodyPr wrap="none" rtlCol="0">
+            <a:spAutoFit/>
+          </a:bodyPr>
+          <a:lstStyle/>
+          <a:p>
+            <a:r>
+              <a:rPr lang="es-ES" dirty="0"/>
+              <a:t>DESPLIEGUE CONTINUO AZURE - DEVOPS</a:t>
+            </a:r>
+            <a:endParaRPr lang="es-CO" dirty="0"/>
+          </a:p>
+        </p:txBody>
+      </p:sp>
+      <p:pic>
+        <p:nvPicPr>
+          <p:cNvPr id="2" name="Imagen 1"/>
+          <p:cNvPicPr>
+            <a:picLocks noChangeAspect="1"/>
+          </p:cNvPicPr>
+          <p:nvPr/>
+        </p:nvPicPr>
+        <p:blipFill>
+          <a:blip r:embed="rId3">
+            <a:extLst>
+              <a:ext uri="{28A0092B-C50C-407E-A947-70E740481C1C}">
+                <a14:useLocalDpi xmlns:a14="http://schemas.microsoft.com/office/drawing/2010/main" val="0"/>
+              </a:ext>
+            </a:extLst>
+          </a:blip>
+          <a:stretch>
+            <a:fillRect/>
+          </a:stretch>
+        </p:blipFill>
+        <p:spPr>
+          <a:xfrm>
+            <a:off x="1047015" y="1190471"/>
+            <a:ext cx="10058400" cy="4847332"/>
+          </a:xfrm>
+          <a:prstGeom prst="rect">
+            <a:avLst/>
+          </a:prstGeom>
+        </p:spPr>
+      </p:pic>
+    </p:spTree>
+    <p:extLst>
+      <p:ext uri="{BB962C8B-B14F-4D97-AF65-F5344CB8AC3E}">
+        <p14:creationId xmlns:p14="http://schemas.microsoft.com/office/powerpoint/2010/main" val="1298447397"/>
+      </p:ext>
+    </p:extLst>
+  </p:cSld>
+  <p:clrMapOvr>
+    <a:masterClrMapping/>
+  </p:clrMapOvr>
+</p:sld>
+</file>
+
+<file path=ppt/slides/slide13.xml><?xml version="1.0" encoding="utf-8"?>
+<p:sld xmlns:a="http://schemas.openxmlformats.org/drawingml/2006/main" xmlns:r="http://schemas.openxmlformats.org/officeDocument/2006/relationships" xmlns:p="http://schemas.openxmlformats.org/presentationml/2006/main">
+  <p:cSld>
+    <p:spTree>
+      <p:nvGrpSpPr>
+        <p:cNvPr id="1" name=""/>
+        <p:cNvGrpSpPr/>
+        <p:nvPr/>
+      </p:nvGrpSpPr>
+      <p:grpSpPr>
+        <a:xfrm>
+          <a:off x="0" y="0"/>
+          <a:ext cx="0" cy="0"/>
+          <a:chOff x="0" y="0"/>
+          <a:chExt cx="0" cy="0"/>
+        </a:xfrm>
+      </p:grpSpPr>
+      <p:graphicFrame>
+        <p:nvGraphicFramePr>
+          <p:cNvPr id="66" name="Tabla 65">
+            <a:extLst>
+              <a:ext uri="{FF2B5EF4-FFF2-40B4-BE49-F238E27FC236}">
+                <a16:creationId xmlns:a16="http://schemas.microsoft.com/office/drawing/2014/main" id="{FCFC8CC3-B497-C94F-ADDA-908BCAE20E79}"/>
+              </a:ext>
+            </a:extLst>
+          </p:cNvPr>
+          <p:cNvGraphicFramePr>
+            <a:graphicFrameLocks noGrp="1"/>
+          </p:cNvGraphicFramePr>
+          <p:nvPr/>
+        </p:nvGraphicFramePr>
+        <p:xfrm>
+          <a:off x="291106" y="175202"/>
+          <a:ext cx="11570219" cy="628295"/>
+        </p:xfrm>
+        <a:graphic>
+          <a:graphicData uri="http://schemas.openxmlformats.org/drawingml/2006/table">
+            <a:tbl>
+              <a:tblPr firstRow="1" bandRow="1">
+                <a:tableStyleId>{5FD0F851-EC5A-4D38-B0AD-8093EC10F338}</a:tableStyleId>
+              </a:tblPr>
+              <a:tblGrid>
+                <a:gridCol w="11570219">
+                  <a:extLst>
+                    <a:ext uri="{9D8B030D-6E8A-4147-A177-3AD203B41FA5}">
+                      <a16:colId xmlns:a16="http://schemas.microsoft.com/office/drawing/2014/main" val="2952159737"/>
+                    </a:ext>
+                  </a:extLst>
+                </a:gridCol>
+              </a:tblGrid>
+              <a:tr h="628295">
+                <a:tc>
+                  <a:txBody>
+                    <a:bodyPr/>
+                    <a:lstStyle/>
+                    <a:p>
+                      <a:pPr algn="ctr"/>
+                      <a:endParaRPr lang="es-PE" sz="1800" dirty="0">
+                        <a:effectLst>
+                          <a:outerShdw blurRad="38100" dist="38100" dir="2700000" algn="tl">
+                            <a:srgbClr val="000000">
+                              <a:alpha val="43137"/>
+                            </a:srgbClr>
+                          </a:outerShdw>
+                        </a:effectLst>
+                      </a:endParaRPr>
+                    </a:p>
+                  </a:txBody>
+                  <a:tcPr anchor="ctr"/>
+                </a:tc>
+                <a:extLst>
+                  <a:ext uri="{0D108BD9-81ED-4DB2-BD59-A6C34878D82A}">
+                    <a16:rowId xmlns:a16="http://schemas.microsoft.com/office/drawing/2014/main" val="3283664342"/>
+                  </a:ext>
+                </a:extLst>
+              </a:tr>
+            </a:tbl>
+          </a:graphicData>
+        </a:graphic>
+      </p:graphicFrame>
+      <p:sp>
+        <p:nvSpPr>
+          <p:cNvPr id="282" name="Rectángulo redondeado 281">
+            <a:extLst>
+              <a:ext uri="{FF2B5EF4-FFF2-40B4-BE49-F238E27FC236}">
+                <a16:creationId xmlns:a16="http://schemas.microsoft.com/office/drawing/2014/main" id="{043A9970-5DB8-BF41-8012-E4C17B3B8543}"/>
+              </a:ext>
+            </a:extLst>
+          </p:cNvPr>
+          <p:cNvSpPr/>
+          <p:nvPr/>
+        </p:nvSpPr>
+        <p:spPr>
+          <a:xfrm>
+            <a:off x="139673" y="127246"/>
+            <a:ext cx="11875543" cy="6581898"/>
+          </a:xfrm>
+          <a:prstGeom prst="roundRect">
+            <a:avLst>
+              <a:gd name="adj" fmla="val 3582"/>
+            </a:avLst>
+          </a:prstGeom>
+          <a:noFill/>
+          <a:ln w="28575">
+            <a:solidFill>
+              <a:schemeClr val="accent5">
+                <a:lumMod val="75000"/>
+              </a:schemeClr>
+            </a:solidFill>
+          </a:ln>
+        </p:spPr>
+        <p:style>
+          <a:lnRef idx="2">
+            <a:schemeClr val="accent1">
+              <a:shade val="50000"/>
+            </a:schemeClr>
+          </a:lnRef>
+          <a:fillRef idx="1">
+            <a:schemeClr val="accent1"/>
+          </a:fillRef>
+          <a:effectRef idx="0">
+            <a:schemeClr val="accent1"/>
+          </a:effectRef>
+          <a:fontRef idx="minor">
+            <a:schemeClr val="lt1"/>
+          </a:fontRef>
+        </p:style>
+        <p:txBody>
+          <a:bodyPr rtlCol="0" anchor="ctr"/>
+          <a:lstStyle/>
+          <a:p>
+            <a:pPr algn="ctr"/>
+            <a:endParaRPr lang="es-CO"/>
+          </a:p>
+        </p:txBody>
+      </p:sp>
+      <p:pic>
+        <p:nvPicPr>
+          <p:cNvPr id="35" name="Imagen 34">
+            <a:extLst>
+              <a:ext uri="{FF2B5EF4-FFF2-40B4-BE49-F238E27FC236}">
+                <a16:creationId xmlns:a16="http://schemas.microsoft.com/office/drawing/2014/main" id="{BFBC6B94-A5ED-E34D-BF0B-749C6BC98981}"/>
+              </a:ext>
+            </a:extLst>
+          </p:cNvPr>
+          <p:cNvPicPr>
+            <a:picLocks noChangeAspect="1"/>
+          </p:cNvPicPr>
+          <p:nvPr/>
+        </p:nvPicPr>
+        <p:blipFill>
+          <a:blip r:embed="rId2"/>
+          <a:stretch>
+            <a:fillRect/>
+          </a:stretch>
+        </p:blipFill>
+        <p:spPr>
+          <a:xfrm>
+            <a:off x="328915" y="237654"/>
+            <a:ext cx="1978121" cy="519963"/>
+          </a:xfrm>
+          <a:prstGeom prst="rect">
+            <a:avLst/>
+          </a:prstGeom>
+        </p:spPr>
+      </p:pic>
+      <p:sp>
+        <p:nvSpPr>
+          <p:cNvPr id="7" name="CuadroTexto 6">
+            <a:extLst>
+              <a:ext uri="{FF2B5EF4-FFF2-40B4-BE49-F238E27FC236}">
+                <a16:creationId xmlns:a16="http://schemas.microsoft.com/office/drawing/2014/main" id="{DBD45B2C-C6A9-4E8C-A393-481205303052}"/>
+              </a:ext>
+            </a:extLst>
+          </p:cNvPr>
+          <p:cNvSpPr txBox="1"/>
+          <p:nvPr/>
+        </p:nvSpPr>
+        <p:spPr>
+          <a:xfrm>
+            <a:off x="3707129" y="298032"/>
+            <a:ext cx="4016805" cy="369332"/>
+          </a:xfrm>
+          <a:prstGeom prst="rect">
+            <a:avLst/>
+          </a:prstGeom>
+          <a:noFill/>
+        </p:spPr>
+        <p:txBody>
+          <a:bodyPr wrap="none" rtlCol="0">
+            <a:spAutoFit/>
+          </a:bodyPr>
+          <a:lstStyle/>
+          <a:p>
+            <a:r>
+              <a:rPr lang="es-ES" dirty="0"/>
+              <a:t>DESPLIEGUE CONTINUO AZURE - DEVOPS</a:t>
+            </a:r>
+            <a:endParaRPr lang="es-CO" dirty="0"/>
+          </a:p>
+        </p:txBody>
+      </p:sp>
+      <p:pic>
+        <p:nvPicPr>
+          <p:cNvPr id="2" name="Imagen 1"/>
+          <p:cNvPicPr>
+            <a:picLocks noChangeAspect="1"/>
+          </p:cNvPicPr>
+          <p:nvPr/>
+        </p:nvPicPr>
+        <p:blipFill>
+          <a:blip r:embed="rId3">
+            <a:extLst>
+              <a:ext uri="{28A0092B-C50C-407E-A947-70E740481C1C}">
+                <a14:useLocalDpi xmlns:a14="http://schemas.microsoft.com/office/drawing/2010/main" val="0"/>
+              </a:ext>
+            </a:extLst>
+          </a:blip>
+          <a:stretch>
+            <a:fillRect/>
+          </a:stretch>
+        </p:blipFill>
+        <p:spPr>
+          <a:xfrm>
+            <a:off x="686331" y="1170908"/>
+            <a:ext cx="10058400" cy="4781982"/>
+          </a:xfrm>
+          <a:prstGeom prst="rect">
+            <a:avLst/>
+          </a:prstGeom>
+        </p:spPr>
+      </p:pic>
+    </p:spTree>
+    <p:extLst>
+      <p:ext uri="{BB962C8B-B14F-4D97-AF65-F5344CB8AC3E}">
+        <p14:creationId xmlns:p14="http://schemas.microsoft.com/office/powerpoint/2010/main" val="484054000"/>
+      </p:ext>
+    </p:extLst>
+  </p:cSld>
+  <p:clrMapOvr>
+    <a:masterClrMapping/>
+  </p:clrMapOvr>
+</p:sld>
+</file>
+
+<file path=ppt/slides/slide14.xml><?xml version="1.0" encoding="utf-8"?>
+<p:sld xmlns:a="http://schemas.openxmlformats.org/drawingml/2006/main" xmlns:r="http://schemas.openxmlformats.org/officeDocument/2006/relationships" xmlns:p="http://schemas.openxmlformats.org/presentationml/2006/main">
+  <p:cSld>
+    <p:spTree>
+      <p:nvGrpSpPr>
+        <p:cNvPr id="1" name=""/>
+        <p:cNvGrpSpPr/>
+        <p:nvPr/>
+      </p:nvGrpSpPr>
+      <p:grpSpPr>
+        <a:xfrm>
+          <a:off x="0" y="0"/>
+          <a:ext cx="0" cy="0"/>
+          <a:chOff x="0" y="0"/>
+          <a:chExt cx="0" cy="0"/>
+        </a:xfrm>
+      </p:grpSpPr>
+      <p:graphicFrame>
+        <p:nvGraphicFramePr>
+          <p:cNvPr id="66" name="Tabla 65">
+            <a:extLst>
+              <a:ext uri="{FF2B5EF4-FFF2-40B4-BE49-F238E27FC236}">
+                <a16:creationId xmlns:a16="http://schemas.microsoft.com/office/drawing/2014/main" id="{FCFC8CC3-B497-C94F-ADDA-908BCAE20E79}"/>
+              </a:ext>
+            </a:extLst>
+          </p:cNvPr>
+          <p:cNvGraphicFramePr>
+            <a:graphicFrameLocks noGrp="1"/>
+          </p:cNvGraphicFramePr>
+          <p:nvPr/>
+        </p:nvGraphicFramePr>
+        <p:xfrm>
+          <a:off x="291106" y="175202"/>
+          <a:ext cx="11570219" cy="628295"/>
+        </p:xfrm>
+        <a:graphic>
+          <a:graphicData uri="http://schemas.openxmlformats.org/drawingml/2006/table">
+            <a:tbl>
+              <a:tblPr firstRow="1" bandRow="1">
+                <a:tableStyleId>{5FD0F851-EC5A-4D38-B0AD-8093EC10F338}</a:tableStyleId>
+              </a:tblPr>
+              <a:tblGrid>
+                <a:gridCol w="11570219">
+                  <a:extLst>
+                    <a:ext uri="{9D8B030D-6E8A-4147-A177-3AD203B41FA5}">
+                      <a16:colId xmlns:a16="http://schemas.microsoft.com/office/drawing/2014/main" val="2952159737"/>
+                    </a:ext>
+                  </a:extLst>
+                </a:gridCol>
+              </a:tblGrid>
+              <a:tr h="628295">
+                <a:tc>
+                  <a:txBody>
+                    <a:bodyPr/>
+                    <a:lstStyle/>
+                    <a:p>
+                      <a:pPr algn="ctr"/>
+                      <a:endParaRPr lang="es-PE" sz="1800" dirty="0">
+                        <a:effectLst>
+                          <a:outerShdw blurRad="38100" dist="38100" dir="2700000" algn="tl">
+                            <a:srgbClr val="000000">
+                              <a:alpha val="43137"/>
+                            </a:srgbClr>
+                          </a:outerShdw>
+                        </a:effectLst>
+                      </a:endParaRPr>
+                    </a:p>
+                  </a:txBody>
+                  <a:tcPr anchor="ctr"/>
+                </a:tc>
+                <a:extLst>
+                  <a:ext uri="{0D108BD9-81ED-4DB2-BD59-A6C34878D82A}">
+                    <a16:rowId xmlns:a16="http://schemas.microsoft.com/office/drawing/2014/main" val="3283664342"/>
+                  </a:ext>
+                </a:extLst>
+              </a:tr>
+            </a:tbl>
+          </a:graphicData>
+        </a:graphic>
+      </p:graphicFrame>
+      <p:sp>
+        <p:nvSpPr>
+          <p:cNvPr id="282" name="Rectángulo redondeado 281">
+            <a:extLst>
+              <a:ext uri="{FF2B5EF4-FFF2-40B4-BE49-F238E27FC236}">
+                <a16:creationId xmlns:a16="http://schemas.microsoft.com/office/drawing/2014/main" id="{043A9970-5DB8-BF41-8012-E4C17B3B8543}"/>
+              </a:ext>
+            </a:extLst>
+          </p:cNvPr>
+          <p:cNvSpPr/>
+          <p:nvPr/>
+        </p:nvSpPr>
+        <p:spPr>
+          <a:xfrm>
+            <a:off x="139673" y="127246"/>
+            <a:ext cx="11875543" cy="6581898"/>
+          </a:xfrm>
+          <a:prstGeom prst="roundRect">
+            <a:avLst>
+              <a:gd name="adj" fmla="val 3582"/>
+            </a:avLst>
+          </a:prstGeom>
+          <a:noFill/>
+          <a:ln w="28575">
+            <a:solidFill>
+              <a:schemeClr val="accent5">
+                <a:lumMod val="75000"/>
+              </a:schemeClr>
+            </a:solidFill>
+          </a:ln>
+        </p:spPr>
+        <p:style>
+          <a:lnRef idx="2">
+            <a:schemeClr val="accent1">
+              <a:shade val="50000"/>
+            </a:schemeClr>
+          </a:lnRef>
+          <a:fillRef idx="1">
+            <a:schemeClr val="accent1"/>
+          </a:fillRef>
+          <a:effectRef idx="0">
+            <a:schemeClr val="accent1"/>
+          </a:effectRef>
+          <a:fontRef idx="minor">
+            <a:schemeClr val="lt1"/>
+          </a:fontRef>
+        </p:style>
+        <p:txBody>
+          <a:bodyPr rtlCol="0" anchor="ctr"/>
+          <a:lstStyle/>
+          <a:p>
+            <a:pPr algn="ctr"/>
+            <a:endParaRPr lang="es-CO"/>
+          </a:p>
+        </p:txBody>
+      </p:sp>
+      <p:pic>
+        <p:nvPicPr>
+          <p:cNvPr id="35" name="Imagen 34">
+            <a:extLst>
+              <a:ext uri="{FF2B5EF4-FFF2-40B4-BE49-F238E27FC236}">
+                <a16:creationId xmlns:a16="http://schemas.microsoft.com/office/drawing/2014/main" id="{BFBC6B94-A5ED-E34D-BF0B-749C6BC98981}"/>
+              </a:ext>
+            </a:extLst>
+          </p:cNvPr>
+          <p:cNvPicPr>
+            <a:picLocks noChangeAspect="1"/>
+          </p:cNvPicPr>
+          <p:nvPr/>
+        </p:nvPicPr>
+        <p:blipFill>
+          <a:blip r:embed="rId2"/>
+          <a:stretch>
+            <a:fillRect/>
+          </a:stretch>
+        </p:blipFill>
+        <p:spPr>
+          <a:xfrm>
+            <a:off x="328915" y="237654"/>
+            <a:ext cx="1978121" cy="519963"/>
+          </a:xfrm>
+          <a:prstGeom prst="rect">
+            <a:avLst/>
+          </a:prstGeom>
+        </p:spPr>
+      </p:pic>
       <p:sp>
         <p:nvSpPr>
           <p:cNvPr id="2" name="Rectángulo 1">
@@ -3475,70 +4459,72 @@
           </a:p>
         </p:txBody>
       </p:sp>
+      <p:sp>
+        <p:nvSpPr>
+          <p:cNvPr id="7" name="CuadroTexto 6">
+            <a:extLst>
+              <a:ext uri="{FF2B5EF4-FFF2-40B4-BE49-F238E27FC236}">
+                <a16:creationId xmlns:a16="http://schemas.microsoft.com/office/drawing/2014/main" id="{DBD45B2C-C6A9-4E8C-A393-481205303052}"/>
+              </a:ext>
+            </a:extLst>
+          </p:cNvPr>
+          <p:cNvSpPr txBox="1"/>
+          <p:nvPr/>
+        </p:nvSpPr>
+        <p:spPr>
+          <a:xfrm>
+            <a:off x="3707129" y="298032"/>
+            <a:ext cx="4016805" cy="369332"/>
+          </a:xfrm>
+          <a:prstGeom prst="rect">
+            <a:avLst/>
+          </a:prstGeom>
+          <a:noFill/>
+        </p:spPr>
+        <p:txBody>
+          <a:bodyPr wrap="none" rtlCol="0">
+            <a:spAutoFit/>
+          </a:bodyPr>
+          <a:lstStyle/>
+          <a:p>
+            <a:r>
+              <a:rPr lang="es-ES" dirty="0"/>
+              <a:t>DESPLIEGUE CONTINUO AZURE - DEVOPS</a:t>
+            </a:r>
+            <a:endParaRPr lang="es-CO" dirty="0"/>
+          </a:p>
+        </p:txBody>
+      </p:sp>
       <p:pic>
         <p:nvPicPr>
-          <p:cNvPr id="6" name="Imagen 5">
-            <a:extLst>
-              <a:ext uri="{FF2B5EF4-FFF2-40B4-BE49-F238E27FC236}">
-                <a16:creationId xmlns:a16="http://schemas.microsoft.com/office/drawing/2014/main" id="{C94C535B-29F0-4307-BB4D-7EABAF7D65D7}"/>
-              </a:ext>
-            </a:extLst>
-          </p:cNvPr>
-          <p:cNvPicPr/>
+          <p:cNvPr id="3" name="Imagen 2"/>
+          <p:cNvPicPr>
+            <a:picLocks noChangeAspect="1"/>
+          </p:cNvPicPr>
           <p:nvPr/>
         </p:nvPicPr>
         <p:blipFill>
-          <a:blip r:embed="rId3"/>
+          <a:blip r:embed="rId3">
+            <a:extLst>
+              <a:ext uri="{28A0092B-C50C-407E-A947-70E740481C1C}">
+                <a14:useLocalDpi xmlns:a14="http://schemas.microsoft.com/office/drawing/2010/main" val="0"/>
+              </a:ext>
+            </a:extLst>
+          </a:blip>
           <a:stretch>
             <a:fillRect/>
           </a:stretch>
         </p:blipFill>
         <p:spPr>
           <a:xfrm>
-            <a:off x="1484243" y="2306771"/>
-            <a:ext cx="8401879" cy="4313575"/>
+            <a:off x="1071154" y="2306772"/>
+            <a:ext cx="8791303" cy="4138219"/>
           </a:xfrm>
           <a:prstGeom prst="rect">
             <a:avLst/>
           </a:prstGeom>
         </p:spPr>
       </p:pic>
-      <p:sp>
-        <p:nvSpPr>
-          <p:cNvPr id="7" name="CuadroTexto 6">
-            <a:extLst>
-              <a:ext uri="{FF2B5EF4-FFF2-40B4-BE49-F238E27FC236}">
-                <a16:creationId xmlns:a16="http://schemas.microsoft.com/office/drawing/2014/main" id="{DBD45B2C-C6A9-4E8C-A393-481205303052}"/>
-              </a:ext>
-            </a:extLst>
-          </p:cNvPr>
-          <p:cNvSpPr txBox="1"/>
-          <p:nvPr/>
-        </p:nvSpPr>
-        <p:spPr>
-          <a:xfrm>
-            <a:off x="3707129" y="298032"/>
-            <a:ext cx="4016805" cy="369332"/>
-          </a:xfrm>
-          <a:prstGeom prst="rect">
-            <a:avLst/>
-          </a:prstGeom>
-          <a:noFill/>
-        </p:spPr>
-        <p:txBody>
-          <a:bodyPr wrap="none" rtlCol="0">
-            <a:spAutoFit/>
-          </a:bodyPr>
-          <a:lstStyle/>
-          <a:p>
-            <a:r>
-              <a:rPr lang="es-ES" dirty="0"/>
-              <a:t>DESPLIEGUE CONTINUO AZURE - DEVOPS</a:t>
-            </a:r>
-            <a:endParaRPr lang="es-CO" dirty="0"/>
-          </a:p>
-        </p:txBody>
-      </p:sp>
     </p:spTree>
     <p:extLst>
       <p:ext uri="{BB962C8B-B14F-4D97-AF65-F5344CB8AC3E}">
@@ -3552,7 +4538,742 @@
 </p:sld>
 </file>
 
+<file path=ppt/slides/slide15.xml><?xml version="1.0" encoding="utf-8"?>
+<p:sld xmlns:a="http://schemas.openxmlformats.org/drawingml/2006/main" xmlns:r="http://schemas.openxmlformats.org/officeDocument/2006/relationships" xmlns:p="http://schemas.openxmlformats.org/presentationml/2006/main">
+  <p:cSld>
+    <p:spTree>
+      <p:nvGrpSpPr>
+        <p:cNvPr id="1" name=""/>
+        <p:cNvGrpSpPr/>
+        <p:nvPr/>
+      </p:nvGrpSpPr>
+      <p:grpSpPr>
+        <a:xfrm>
+          <a:off x="0" y="0"/>
+          <a:ext cx="0" cy="0"/>
+          <a:chOff x="0" y="0"/>
+          <a:chExt cx="0" cy="0"/>
+        </a:xfrm>
+      </p:grpSpPr>
+      <p:graphicFrame>
+        <p:nvGraphicFramePr>
+          <p:cNvPr id="66" name="Tabla 65">
+            <a:extLst>
+              <a:ext uri="{FF2B5EF4-FFF2-40B4-BE49-F238E27FC236}">
+                <a16:creationId xmlns:a16="http://schemas.microsoft.com/office/drawing/2014/main" id="{FCFC8CC3-B497-C94F-ADDA-908BCAE20E79}"/>
+              </a:ext>
+            </a:extLst>
+          </p:cNvPr>
+          <p:cNvGraphicFramePr>
+            <a:graphicFrameLocks noGrp="1"/>
+          </p:cNvGraphicFramePr>
+          <p:nvPr/>
+        </p:nvGraphicFramePr>
+        <p:xfrm>
+          <a:off x="291106" y="175202"/>
+          <a:ext cx="11570219" cy="628295"/>
+        </p:xfrm>
+        <a:graphic>
+          <a:graphicData uri="http://schemas.openxmlformats.org/drawingml/2006/table">
+            <a:tbl>
+              <a:tblPr firstRow="1" bandRow="1">
+                <a:tableStyleId>{5FD0F851-EC5A-4D38-B0AD-8093EC10F338}</a:tableStyleId>
+              </a:tblPr>
+              <a:tblGrid>
+                <a:gridCol w="11570219">
+                  <a:extLst>
+                    <a:ext uri="{9D8B030D-6E8A-4147-A177-3AD203B41FA5}">
+                      <a16:colId xmlns:a16="http://schemas.microsoft.com/office/drawing/2014/main" val="2952159737"/>
+                    </a:ext>
+                  </a:extLst>
+                </a:gridCol>
+              </a:tblGrid>
+              <a:tr h="628295">
+                <a:tc>
+                  <a:txBody>
+                    <a:bodyPr/>
+                    <a:lstStyle/>
+                    <a:p>
+                      <a:pPr algn="ctr"/>
+                      <a:endParaRPr lang="es-PE" sz="1800" dirty="0">
+                        <a:effectLst>
+                          <a:outerShdw blurRad="38100" dist="38100" dir="2700000" algn="tl">
+                            <a:srgbClr val="000000">
+                              <a:alpha val="43137"/>
+                            </a:srgbClr>
+                          </a:outerShdw>
+                        </a:effectLst>
+                      </a:endParaRPr>
+                    </a:p>
+                  </a:txBody>
+                  <a:tcPr anchor="ctr"/>
+                </a:tc>
+                <a:extLst>
+                  <a:ext uri="{0D108BD9-81ED-4DB2-BD59-A6C34878D82A}">
+                    <a16:rowId xmlns:a16="http://schemas.microsoft.com/office/drawing/2014/main" val="3283664342"/>
+                  </a:ext>
+                </a:extLst>
+              </a:tr>
+            </a:tbl>
+          </a:graphicData>
+        </a:graphic>
+      </p:graphicFrame>
+      <p:sp>
+        <p:nvSpPr>
+          <p:cNvPr id="282" name="Rectángulo redondeado 281">
+            <a:extLst>
+              <a:ext uri="{FF2B5EF4-FFF2-40B4-BE49-F238E27FC236}">
+                <a16:creationId xmlns:a16="http://schemas.microsoft.com/office/drawing/2014/main" id="{043A9970-5DB8-BF41-8012-E4C17B3B8543}"/>
+              </a:ext>
+            </a:extLst>
+          </p:cNvPr>
+          <p:cNvSpPr/>
+          <p:nvPr/>
+        </p:nvSpPr>
+        <p:spPr>
+          <a:xfrm>
+            <a:off x="139673" y="127246"/>
+            <a:ext cx="11875543" cy="6581898"/>
+          </a:xfrm>
+          <a:prstGeom prst="roundRect">
+            <a:avLst>
+              <a:gd name="adj" fmla="val 3582"/>
+            </a:avLst>
+          </a:prstGeom>
+          <a:noFill/>
+          <a:ln w="28575">
+            <a:solidFill>
+              <a:schemeClr val="accent5">
+                <a:lumMod val="75000"/>
+              </a:schemeClr>
+            </a:solidFill>
+          </a:ln>
+        </p:spPr>
+        <p:style>
+          <a:lnRef idx="2">
+            <a:schemeClr val="accent1">
+              <a:shade val="50000"/>
+            </a:schemeClr>
+          </a:lnRef>
+          <a:fillRef idx="1">
+            <a:schemeClr val="accent1"/>
+          </a:fillRef>
+          <a:effectRef idx="0">
+            <a:schemeClr val="accent1"/>
+          </a:effectRef>
+          <a:fontRef idx="minor">
+            <a:schemeClr val="lt1"/>
+          </a:fontRef>
+        </p:style>
+        <p:txBody>
+          <a:bodyPr rtlCol="0" anchor="ctr"/>
+          <a:lstStyle/>
+          <a:p>
+            <a:pPr algn="ctr"/>
+            <a:endParaRPr lang="es-CO"/>
+          </a:p>
+        </p:txBody>
+      </p:sp>
+      <p:pic>
+        <p:nvPicPr>
+          <p:cNvPr id="35" name="Imagen 34">
+            <a:extLst>
+              <a:ext uri="{FF2B5EF4-FFF2-40B4-BE49-F238E27FC236}">
+                <a16:creationId xmlns:a16="http://schemas.microsoft.com/office/drawing/2014/main" id="{BFBC6B94-A5ED-E34D-BF0B-749C6BC98981}"/>
+              </a:ext>
+            </a:extLst>
+          </p:cNvPr>
+          <p:cNvPicPr>
+            <a:picLocks noChangeAspect="1"/>
+          </p:cNvPicPr>
+          <p:nvPr/>
+        </p:nvPicPr>
+        <p:blipFill>
+          <a:blip r:embed="rId2"/>
+          <a:stretch>
+            <a:fillRect/>
+          </a:stretch>
+        </p:blipFill>
+        <p:spPr>
+          <a:xfrm>
+            <a:off x="328915" y="237654"/>
+            <a:ext cx="1978121" cy="519963"/>
+          </a:xfrm>
+          <a:prstGeom prst="rect">
+            <a:avLst/>
+          </a:prstGeom>
+        </p:spPr>
+      </p:pic>
+      <p:sp>
+        <p:nvSpPr>
+          <p:cNvPr id="7" name="CuadroTexto 6">
+            <a:extLst>
+              <a:ext uri="{FF2B5EF4-FFF2-40B4-BE49-F238E27FC236}">
+                <a16:creationId xmlns:a16="http://schemas.microsoft.com/office/drawing/2014/main" id="{DBD45B2C-C6A9-4E8C-A393-481205303052}"/>
+              </a:ext>
+            </a:extLst>
+          </p:cNvPr>
+          <p:cNvSpPr txBox="1"/>
+          <p:nvPr/>
+        </p:nvSpPr>
+        <p:spPr>
+          <a:xfrm>
+            <a:off x="3707129" y="298032"/>
+            <a:ext cx="1656607" cy="369332"/>
+          </a:xfrm>
+          <a:prstGeom prst="rect">
+            <a:avLst/>
+          </a:prstGeom>
+          <a:noFill/>
+        </p:spPr>
+        <p:txBody>
+          <a:bodyPr wrap="none" rtlCol="0">
+            <a:spAutoFit/>
+          </a:bodyPr>
+          <a:lstStyle/>
+          <a:p>
+            <a:r>
+              <a:rPr lang="es-CO" dirty="0" smtClean="0"/>
+              <a:t>Prueba Unitaria</a:t>
+            </a:r>
+            <a:endParaRPr lang="es-CO" dirty="0"/>
+          </a:p>
+        </p:txBody>
+      </p:sp>
+      <p:pic>
+        <p:nvPicPr>
+          <p:cNvPr id="4" name="Imagen 3"/>
+          <p:cNvPicPr>
+            <a:picLocks noChangeAspect="1"/>
+          </p:cNvPicPr>
+          <p:nvPr/>
+        </p:nvPicPr>
+        <p:blipFill>
+          <a:blip r:embed="rId3">
+            <a:extLst>
+              <a:ext uri="{28A0092B-C50C-407E-A947-70E740481C1C}">
+                <a14:useLocalDpi xmlns:a14="http://schemas.microsoft.com/office/drawing/2010/main" val="0"/>
+              </a:ext>
+            </a:extLst>
+          </a:blip>
+          <a:stretch>
+            <a:fillRect/>
+          </a:stretch>
+        </p:blipFill>
+        <p:spPr>
+          <a:xfrm>
+            <a:off x="1212099" y="926327"/>
+            <a:ext cx="10058400" cy="5062380"/>
+          </a:xfrm>
+          <a:prstGeom prst="rect">
+            <a:avLst/>
+          </a:prstGeom>
+        </p:spPr>
+      </p:pic>
+    </p:spTree>
+    <p:extLst>
+      <p:ext uri="{BB962C8B-B14F-4D97-AF65-F5344CB8AC3E}">
+        <p14:creationId xmlns:p14="http://schemas.microsoft.com/office/powerpoint/2010/main" val="4109617685"/>
+      </p:ext>
+    </p:extLst>
+  </p:cSld>
+  <p:clrMapOvr>
+    <a:masterClrMapping/>
+  </p:clrMapOvr>
+</p:sld>
+</file>
+
+<file path=ppt/slides/slide16.xml><?xml version="1.0" encoding="utf-8"?>
+<p:sld xmlns:a="http://schemas.openxmlformats.org/drawingml/2006/main" xmlns:r="http://schemas.openxmlformats.org/officeDocument/2006/relationships" xmlns:p="http://schemas.openxmlformats.org/presentationml/2006/main">
+  <p:cSld>
+    <p:spTree>
+      <p:nvGrpSpPr>
+        <p:cNvPr id="1" name=""/>
+        <p:cNvGrpSpPr/>
+        <p:nvPr/>
+      </p:nvGrpSpPr>
+      <p:grpSpPr>
+        <a:xfrm>
+          <a:off x="0" y="0"/>
+          <a:ext cx="0" cy="0"/>
+          <a:chOff x="0" y="0"/>
+          <a:chExt cx="0" cy="0"/>
+        </a:xfrm>
+      </p:grpSpPr>
+      <p:graphicFrame>
+        <p:nvGraphicFramePr>
+          <p:cNvPr id="66" name="Tabla 65">
+            <a:extLst>
+              <a:ext uri="{FF2B5EF4-FFF2-40B4-BE49-F238E27FC236}">
+                <a16:creationId xmlns:a16="http://schemas.microsoft.com/office/drawing/2014/main" id="{FCFC8CC3-B497-C94F-ADDA-908BCAE20E79}"/>
+              </a:ext>
+            </a:extLst>
+          </p:cNvPr>
+          <p:cNvGraphicFramePr>
+            <a:graphicFrameLocks noGrp="1"/>
+          </p:cNvGraphicFramePr>
+          <p:nvPr/>
+        </p:nvGraphicFramePr>
+        <p:xfrm>
+          <a:off x="291106" y="175202"/>
+          <a:ext cx="11570219" cy="628295"/>
+        </p:xfrm>
+        <a:graphic>
+          <a:graphicData uri="http://schemas.openxmlformats.org/drawingml/2006/table">
+            <a:tbl>
+              <a:tblPr firstRow="1" bandRow="1">
+                <a:tableStyleId>{5FD0F851-EC5A-4D38-B0AD-8093EC10F338}</a:tableStyleId>
+              </a:tblPr>
+              <a:tblGrid>
+                <a:gridCol w="11570219">
+                  <a:extLst>
+                    <a:ext uri="{9D8B030D-6E8A-4147-A177-3AD203B41FA5}">
+                      <a16:colId xmlns:a16="http://schemas.microsoft.com/office/drawing/2014/main" val="2952159737"/>
+                    </a:ext>
+                  </a:extLst>
+                </a:gridCol>
+              </a:tblGrid>
+              <a:tr h="628295">
+                <a:tc>
+                  <a:txBody>
+                    <a:bodyPr/>
+                    <a:lstStyle/>
+                    <a:p>
+                      <a:pPr algn="ctr"/>
+                      <a:endParaRPr lang="es-PE" sz="1800" dirty="0">
+                        <a:effectLst>
+                          <a:outerShdw blurRad="38100" dist="38100" dir="2700000" algn="tl">
+                            <a:srgbClr val="000000">
+                              <a:alpha val="43137"/>
+                            </a:srgbClr>
+                          </a:outerShdw>
+                        </a:effectLst>
+                      </a:endParaRPr>
+                    </a:p>
+                  </a:txBody>
+                  <a:tcPr anchor="ctr"/>
+                </a:tc>
+                <a:extLst>
+                  <a:ext uri="{0D108BD9-81ED-4DB2-BD59-A6C34878D82A}">
+                    <a16:rowId xmlns:a16="http://schemas.microsoft.com/office/drawing/2014/main" val="3283664342"/>
+                  </a:ext>
+                </a:extLst>
+              </a:tr>
+            </a:tbl>
+          </a:graphicData>
+        </a:graphic>
+      </p:graphicFrame>
+      <p:sp>
+        <p:nvSpPr>
+          <p:cNvPr id="282" name="Rectángulo redondeado 281">
+            <a:extLst>
+              <a:ext uri="{FF2B5EF4-FFF2-40B4-BE49-F238E27FC236}">
+                <a16:creationId xmlns:a16="http://schemas.microsoft.com/office/drawing/2014/main" id="{043A9970-5DB8-BF41-8012-E4C17B3B8543}"/>
+              </a:ext>
+            </a:extLst>
+          </p:cNvPr>
+          <p:cNvSpPr/>
+          <p:nvPr/>
+        </p:nvSpPr>
+        <p:spPr>
+          <a:xfrm>
+            <a:off x="139673" y="127246"/>
+            <a:ext cx="11875543" cy="6581898"/>
+          </a:xfrm>
+          <a:prstGeom prst="roundRect">
+            <a:avLst>
+              <a:gd name="adj" fmla="val 3582"/>
+            </a:avLst>
+          </a:prstGeom>
+          <a:noFill/>
+          <a:ln w="28575">
+            <a:solidFill>
+              <a:schemeClr val="accent5">
+                <a:lumMod val="75000"/>
+              </a:schemeClr>
+            </a:solidFill>
+          </a:ln>
+        </p:spPr>
+        <p:style>
+          <a:lnRef idx="2">
+            <a:schemeClr val="accent1">
+              <a:shade val="50000"/>
+            </a:schemeClr>
+          </a:lnRef>
+          <a:fillRef idx="1">
+            <a:schemeClr val="accent1"/>
+          </a:fillRef>
+          <a:effectRef idx="0">
+            <a:schemeClr val="accent1"/>
+          </a:effectRef>
+          <a:fontRef idx="minor">
+            <a:schemeClr val="lt1"/>
+          </a:fontRef>
+        </p:style>
+        <p:txBody>
+          <a:bodyPr rtlCol="0" anchor="ctr"/>
+          <a:lstStyle/>
+          <a:p>
+            <a:pPr algn="ctr"/>
+            <a:endParaRPr lang="es-CO"/>
+          </a:p>
+        </p:txBody>
+      </p:sp>
+      <p:pic>
+        <p:nvPicPr>
+          <p:cNvPr id="35" name="Imagen 34">
+            <a:extLst>
+              <a:ext uri="{FF2B5EF4-FFF2-40B4-BE49-F238E27FC236}">
+                <a16:creationId xmlns:a16="http://schemas.microsoft.com/office/drawing/2014/main" id="{BFBC6B94-A5ED-E34D-BF0B-749C6BC98981}"/>
+              </a:ext>
+            </a:extLst>
+          </p:cNvPr>
+          <p:cNvPicPr>
+            <a:picLocks noChangeAspect="1"/>
+          </p:cNvPicPr>
+          <p:nvPr/>
+        </p:nvPicPr>
+        <p:blipFill>
+          <a:blip r:embed="rId2"/>
+          <a:stretch>
+            <a:fillRect/>
+          </a:stretch>
+        </p:blipFill>
+        <p:spPr>
+          <a:xfrm>
+            <a:off x="328915" y="237654"/>
+            <a:ext cx="1978121" cy="519963"/>
+          </a:xfrm>
+          <a:prstGeom prst="rect">
+            <a:avLst/>
+          </a:prstGeom>
+        </p:spPr>
+      </p:pic>
+      <p:sp>
+        <p:nvSpPr>
+          <p:cNvPr id="7" name="CuadroTexto 6">
+            <a:extLst>
+              <a:ext uri="{FF2B5EF4-FFF2-40B4-BE49-F238E27FC236}">
+                <a16:creationId xmlns:a16="http://schemas.microsoft.com/office/drawing/2014/main" id="{DBD45B2C-C6A9-4E8C-A393-481205303052}"/>
+              </a:ext>
+            </a:extLst>
+          </p:cNvPr>
+          <p:cNvSpPr txBox="1"/>
+          <p:nvPr/>
+        </p:nvSpPr>
+        <p:spPr>
+          <a:xfrm>
+            <a:off x="3707129" y="298032"/>
+            <a:ext cx="1656607" cy="369332"/>
+          </a:xfrm>
+          <a:prstGeom prst="rect">
+            <a:avLst/>
+          </a:prstGeom>
+          <a:noFill/>
+        </p:spPr>
+        <p:txBody>
+          <a:bodyPr wrap="none" rtlCol="0">
+            <a:spAutoFit/>
+          </a:bodyPr>
+          <a:lstStyle/>
+          <a:p>
+            <a:r>
+              <a:rPr lang="es-CO" dirty="0" smtClean="0"/>
+              <a:t>Prueba Unitaria</a:t>
+            </a:r>
+            <a:endParaRPr lang="es-CO" dirty="0"/>
+          </a:p>
+        </p:txBody>
+      </p:sp>
+      <p:pic>
+        <p:nvPicPr>
+          <p:cNvPr id="2" name="Imagen 1"/>
+          <p:cNvPicPr>
+            <a:picLocks noChangeAspect="1"/>
+          </p:cNvPicPr>
+          <p:nvPr/>
+        </p:nvPicPr>
+        <p:blipFill>
+          <a:blip r:embed="rId3">
+            <a:extLst>
+              <a:ext uri="{28A0092B-C50C-407E-A947-70E740481C1C}">
+                <a14:useLocalDpi xmlns:a14="http://schemas.microsoft.com/office/drawing/2010/main" val="0"/>
+              </a:ext>
+            </a:extLst>
+          </a:blip>
+          <a:stretch>
+            <a:fillRect/>
+          </a:stretch>
+        </p:blipFill>
+        <p:spPr>
+          <a:xfrm>
+            <a:off x="1037519" y="926327"/>
+            <a:ext cx="9713212" cy="5332205"/>
+          </a:xfrm>
+          <a:prstGeom prst="rect">
+            <a:avLst/>
+          </a:prstGeom>
+        </p:spPr>
+      </p:pic>
+    </p:spTree>
+    <p:extLst>
+      <p:ext uri="{BB962C8B-B14F-4D97-AF65-F5344CB8AC3E}">
+        <p14:creationId xmlns:p14="http://schemas.microsoft.com/office/powerpoint/2010/main" val="2979236230"/>
+      </p:ext>
+    </p:extLst>
+  </p:cSld>
+  <p:clrMapOvr>
+    <a:masterClrMapping/>
+  </p:clrMapOvr>
+</p:sld>
+</file>
+
 <file path=ppt/slides/slide2.xml><?xml version="1.0" encoding="utf-8"?>
+<p:sld xmlns:a="http://schemas.openxmlformats.org/drawingml/2006/main" xmlns:r="http://schemas.openxmlformats.org/officeDocument/2006/relationships" xmlns:p="http://schemas.openxmlformats.org/presentationml/2006/main">
+  <p:cSld>
+    <p:spTree>
+      <p:nvGrpSpPr>
+        <p:cNvPr id="1" name=""/>
+        <p:cNvGrpSpPr/>
+        <p:nvPr/>
+      </p:nvGrpSpPr>
+      <p:grpSpPr>
+        <a:xfrm>
+          <a:off x="0" y="0"/>
+          <a:ext cx="0" cy="0"/>
+          <a:chOff x="0" y="0"/>
+          <a:chExt cx="0" cy="0"/>
+        </a:xfrm>
+      </p:grpSpPr>
+      <p:graphicFrame>
+        <p:nvGraphicFramePr>
+          <p:cNvPr id="66" name="Tabla 65">
+            <a:extLst>
+              <a:ext uri="{FF2B5EF4-FFF2-40B4-BE49-F238E27FC236}">
+                <a16:creationId xmlns:a16="http://schemas.microsoft.com/office/drawing/2014/main" id="{FCFC8CC3-B497-C94F-ADDA-908BCAE20E79}"/>
+              </a:ext>
+            </a:extLst>
+          </p:cNvPr>
+          <p:cNvGraphicFramePr>
+            <a:graphicFrameLocks noGrp="1"/>
+          </p:cNvGraphicFramePr>
+          <p:nvPr/>
+        </p:nvGraphicFramePr>
+        <p:xfrm>
+          <a:off x="291106" y="175202"/>
+          <a:ext cx="11570219" cy="628295"/>
+        </p:xfrm>
+        <a:graphic>
+          <a:graphicData uri="http://schemas.openxmlformats.org/drawingml/2006/table">
+            <a:tbl>
+              <a:tblPr firstRow="1" bandRow="1">
+                <a:tableStyleId>{5FD0F851-EC5A-4D38-B0AD-8093EC10F338}</a:tableStyleId>
+              </a:tblPr>
+              <a:tblGrid>
+                <a:gridCol w="11570219">
+                  <a:extLst>
+                    <a:ext uri="{9D8B030D-6E8A-4147-A177-3AD203B41FA5}">
+                      <a16:colId xmlns:a16="http://schemas.microsoft.com/office/drawing/2014/main" val="2952159737"/>
+                    </a:ext>
+                  </a:extLst>
+                </a:gridCol>
+              </a:tblGrid>
+              <a:tr h="628295">
+                <a:tc>
+                  <a:txBody>
+                    <a:bodyPr/>
+                    <a:lstStyle/>
+                    <a:p>
+                      <a:pPr algn="ctr"/>
+                      <a:endParaRPr lang="es-PE" sz="1800" dirty="0">
+                        <a:effectLst>
+                          <a:outerShdw blurRad="38100" dist="38100" dir="2700000" algn="tl">
+                            <a:srgbClr val="000000">
+                              <a:alpha val="43137"/>
+                            </a:srgbClr>
+                          </a:outerShdw>
+                        </a:effectLst>
+                      </a:endParaRPr>
+                    </a:p>
+                  </a:txBody>
+                  <a:tcPr anchor="ctr"/>
+                </a:tc>
+                <a:extLst>
+                  <a:ext uri="{0D108BD9-81ED-4DB2-BD59-A6C34878D82A}">
+                    <a16:rowId xmlns:a16="http://schemas.microsoft.com/office/drawing/2014/main" val="3283664342"/>
+                  </a:ext>
+                </a:extLst>
+              </a:tr>
+            </a:tbl>
+          </a:graphicData>
+        </a:graphic>
+      </p:graphicFrame>
+      <p:sp>
+        <p:nvSpPr>
+          <p:cNvPr id="282" name="Rectángulo redondeado 281">
+            <a:extLst>
+              <a:ext uri="{FF2B5EF4-FFF2-40B4-BE49-F238E27FC236}">
+                <a16:creationId xmlns:a16="http://schemas.microsoft.com/office/drawing/2014/main" id="{043A9970-5DB8-BF41-8012-E4C17B3B8543}"/>
+              </a:ext>
+            </a:extLst>
+          </p:cNvPr>
+          <p:cNvSpPr/>
+          <p:nvPr/>
+        </p:nvSpPr>
+        <p:spPr>
+          <a:xfrm>
+            <a:off x="139673" y="127246"/>
+            <a:ext cx="11875543" cy="6581898"/>
+          </a:xfrm>
+          <a:prstGeom prst="roundRect">
+            <a:avLst>
+              <a:gd name="adj" fmla="val 3582"/>
+            </a:avLst>
+          </a:prstGeom>
+          <a:noFill/>
+          <a:ln w="28575">
+            <a:solidFill>
+              <a:schemeClr val="accent5">
+                <a:lumMod val="75000"/>
+              </a:schemeClr>
+            </a:solidFill>
+          </a:ln>
+        </p:spPr>
+        <p:style>
+          <a:lnRef idx="2">
+            <a:schemeClr val="accent1">
+              <a:shade val="50000"/>
+            </a:schemeClr>
+          </a:lnRef>
+          <a:fillRef idx="1">
+            <a:schemeClr val="accent1"/>
+          </a:fillRef>
+          <a:effectRef idx="0">
+            <a:schemeClr val="accent1"/>
+          </a:effectRef>
+          <a:fontRef idx="minor">
+            <a:schemeClr val="lt1"/>
+          </a:fontRef>
+        </p:style>
+        <p:txBody>
+          <a:bodyPr rtlCol="0" anchor="ctr"/>
+          <a:lstStyle/>
+          <a:p>
+            <a:pPr algn="ctr"/>
+            <a:endParaRPr lang="es-CO"/>
+          </a:p>
+        </p:txBody>
+      </p:sp>
+      <p:pic>
+        <p:nvPicPr>
+          <p:cNvPr id="35" name="Imagen 34">
+            <a:extLst>
+              <a:ext uri="{FF2B5EF4-FFF2-40B4-BE49-F238E27FC236}">
+                <a16:creationId xmlns:a16="http://schemas.microsoft.com/office/drawing/2014/main" id="{BFBC6B94-A5ED-E34D-BF0B-749C6BC98981}"/>
+              </a:ext>
+            </a:extLst>
+          </p:cNvPr>
+          <p:cNvPicPr>
+            <a:picLocks noChangeAspect="1"/>
+          </p:cNvPicPr>
+          <p:nvPr/>
+        </p:nvPicPr>
+        <p:blipFill>
+          <a:blip r:embed="rId2"/>
+          <a:stretch>
+            <a:fillRect/>
+          </a:stretch>
+        </p:blipFill>
+        <p:spPr>
+          <a:xfrm>
+            <a:off x="328915" y="237654"/>
+            <a:ext cx="1978121" cy="519963"/>
+          </a:xfrm>
+          <a:prstGeom prst="rect">
+            <a:avLst/>
+          </a:prstGeom>
+        </p:spPr>
+      </p:pic>
+      <p:sp>
+        <p:nvSpPr>
+          <p:cNvPr id="10" name="CuadroTexto 9">
+            <a:extLst>
+              <a:ext uri="{FF2B5EF4-FFF2-40B4-BE49-F238E27FC236}">
+                <a16:creationId xmlns:a16="http://schemas.microsoft.com/office/drawing/2014/main" id="{34D185EA-19D6-4FC8-8F26-873D770AD859}"/>
+              </a:ext>
+            </a:extLst>
+          </p:cNvPr>
+          <p:cNvSpPr txBox="1"/>
+          <p:nvPr/>
+        </p:nvSpPr>
+        <p:spPr>
+          <a:xfrm>
+            <a:off x="3707129" y="298032"/>
+            <a:ext cx="4631653" cy="369332"/>
+          </a:xfrm>
+          <a:prstGeom prst="rect">
+            <a:avLst/>
+          </a:prstGeom>
+          <a:noFill/>
+        </p:spPr>
+        <p:txBody>
+          <a:bodyPr wrap="none" rtlCol="0">
+            <a:spAutoFit/>
+          </a:bodyPr>
+          <a:lstStyle/>
+          <a:p>
+            <a:r>
+              <a:rPr lang="es-ES" dirty="0"/>
+              <a:t>CONTROL DE CODIGO FUENTE AZURE - DEVOPS</a:t>
+            </a:r>
+            <a:endParaRPr lang="es-CO" dirty="0"/>
+          </a:p>
+        </p:txBody>
+      </p:sp>
+      <p:pic>
+        <p:nvPicPr>
+          <p:cNvPr id="2" name="Imagen 1"/>
+          <p:cNvPicPr>
+            <a:picLocks noChangeAspect="1"/>
+          </p:cNvPicPr>
+          <p:nvPr/>
+        </p:nvPicPr>
+        <p:blipFill>
+          <a:blip r:embed="rId3">
+            <a:extLst>
+              <a:ext uri="{28A0092B-C50C-407E-A947-70E740481C1C}">
+                <a14:useLocalDpi xmlns:a14="http://schemas.microsoft.com/office/drawing/2010/main" val="0"/>
+              </a:ext>
+            </a:extLst>
+          </a:blip>
+          <a:stretch>
+            <a:fillRect/>
+          </a:stretch>
+        </p:blipFill>
+        <p:spPr>
+          <a:xfrm>
+            <a:off x="862149" y="1244274"/>
+            <a:ext cx="10058400" cy="4617821"/>
+          </a:xfrm>
+          <a:prstGeom prst="rect">
+            <a:avLst/>
+          </a:prstGeom>
+        </p:spPr>
+      </p:pic>
+    </p:spTree>
+    <p:extLst>
+      <p:ext uri="{BB962C8B-B14F-4D97-AF65-F5344CB8AC3E}">
+        <p14:creationId xmlns:p14="http://schemas.microsoft.com/office/powerpoint/2010/main" val="1960122947"/>
+      </p:ext>
+    </p:extLst>
+  </p:cSld>
+  <p:clrMapOvr>
+    <a:masterClrMapping/>
+  </p:clrMapOvr>
+</p:sld>
+</file>
+
+<file path=ppt/slides/slide3.xml><?xml version="1.0" encoding="utf-8"?>
 <p:sld xmlns:a="http://schemas.openxmlformats.org/drawingml/2006/main" xmlns:r="http://schemas.openxmlformats.org/officeDocument/2006/relationships" xmlns:p="http://schemas.openxmlformats.org/presentationml/2006/main">
   <p:cSld>
     <p:spTree>
@@ -3861,7 +5582,7 @@
 </p:sld>
 </file>
 
-<file path=ppt/slides/slide3.xml><?xml version="1.0" encoding="utf-8"?>
+<file path=ppt/slides/slide4.xml><?xml version="1.0" encoding="utf-8"?>
 <p:sld xmlns:a="http://schemas.openxmlformats.org/drawingml/2006/main" xmlns:r="http://schemas.openxmlformats.org/officeDocument/2006/relationships" xmlns:p="http://schemas.openxmlformats.org/presentationml/2006/main">
   <p:cSld>
     <p:spTree>
@@ -4112,7 +5833,7 @@
 </p:sld>
 </file>
 
-<file path=ppt/slides/slide4.xml><?xml version="1.0" encoding="utf-8"?>
+<file path=ppt/slides/slide5.xml><?xml version="1.0" encoding="utf-8"?>
 <p:sld xmlns:a="http://schemas.openxmlformats.org/drawingml/2006/main" xmlns:r="http://schemas.openxmlformats.org/officeDocument/2006/relationships" xmlns:p="http://schemas.openxmlformats.org/presentationml/2006/main">
   <p:cSld>
     <p:spTree>
@@ -4415,7 +6136,7 @@
 </p:sld>
 </file>
 
-<file path=ppt/slides/slide5.xml><?xml version="1.0" encoding="utf-8"?>
+<file path=ppt/slides/slide6.xml><?xml version="1.0" encoding="utf-8"?>
 <p:sld xmlns:a="http://schemas.openxmlformats.org/drawingml/2006/main" xmlns:r="http://schemas.openxmlformats.org/officeDocument/2006/relationships" xmlns:p="http://schemas.openxmlformats.org/presentationml/2006/main">
   <p:cSld>
     <p:spTree>
@@ -4710,7 +6431,7 @@
 </p:sld>
 </file>
 
-<file path=ppt/slides/slide6.xml><?xml version="1.0" encoding="utf-8"?>
+<file path=ppt/slides/slide7.xml><?xml version="1.0" encoding="utf-8"?>
 <p:sld xmlns:a="http://schemas.openxmlformats.org/drawingml/2006/main" xmlns:r="http://schemas.openxmlformats.org/officeDocument/2006/relationships" xmlns:p="http://schemas.openxmlformats.org/presentationml/2006/main">
   <p:cSld>
     <p:spTree>
@@ -5173,7 +6894,7 @@
 </p:sld>
 </file>
 
-<file path=ppt/slides/slide7.xml><?xml version="1.0" encoding="utf-8"?>
+<file path=ppt/slides/slide8.xml><?xml version="1.0" encoding="utf-8"?>
 <p:sld xmlns:a="http://schemas.openxmlformats.org/drawingml/2006/main" xmlns:r="http://schemas.openxmlformats.org/officeDocument/2006/relationships" xmlns:p="http://schemas.openxmlformats.org/presentationml/2006/main">
   <p:cSld>
     <p:spTree>
@@ -5416,7 +7137,7 @@
 </p:sld>
 </file>
 
-<file path=ppt/slides/slide8.xml><?xml version="1.0" encoding="utf-8"?>
+<file path=ppt/slides/slide9.xml><?xml version="1.0" encoding="utf-8"?>
 <p:sld xmlns:a="http://schemas.openxmlformats.org/drawingml/2006/main" xmlns:r="http://schemas.openxmlformats.org/officeDocument/2006/relationships" xmlns:p="http://schemas.openxmlformats.org/presentationml/2006/main">
   <p:cSld>
     <p:spTree>
@@ -5710,249 +7431,6 @@
     <p:extLst>
       <p:ext uri="{BB962C8B-B14F-4D97-AF65-F5344CB8AC3E}">
         <p14:creationId xmlns:p14="http://schemas.microsoft.com/office/powerpoint/2010/main" val="1967854810"/>
-      </p:ext>
-    </p:extLst>
-  </p:cSld>
-  <p:clrMapOvr>
-    <a:masterClrMapping/>
-  </p:clrMapOvr>
-</p:sld>
-</file>
-
-<file path=ppt/slides/slide9.xml><?xml version="1.0" encoding="utf-8"?>
-<p:sld xmlns:a="http://schemas.openxmlformats.org/drawingml/2006/main" xmlns:r="http://schemas.openxmlformats.org/officeDocument/2006/relationships" xmlns:p="http://schemas.openxmlformats.org/presentationml/2006/main">
-  <p:cSld>
-    <p:spTree>
-      <p:nvGrpSpPr>
-        <p:cNvPr id="1" name=""/>
-        <p:cNvGrpSpPr/>
-        <p:nvPr/>
-      </p:nvGrpSpPr>
-      <p:grpSpPr>
-        <a:xfrm>
-          <a:off x="0" y="0"/>
-          <a:ext cx="0" cy="0"/>
-          <a:chOff x="0" y="0"/>
-          <a:chExt cx="0" cy="0"/>
-        </a:xfrm>
-      </p:grpSpPr>
-      <p:graphicFrame>
-        <p:nvGraphicFramePr>
-          <p:cNvPr id="66" name="Tabla 65">
-            <a:extLst>
-              <a:ext uri="{FF2B5EF4-FFF2-40B4-BE49-F238E27FC236}">
-                <a16:creationId xmlns:a16="http://schemas.microsoft.com/office/drawing/2014/main" id="{FCFC8CC3-B497-C94F-ADDA-908BCAE20E79}"/>
-              </a:ext>
-            </a:extLst>
-          </p:cNvPr>
-          <p:cNvGraphicFramePr>
-            <a:graphicFrameLocks noGrp="1"/>
-          </p:cNvGraphicFramePr>
-          <p:nvPr/>
-        </p:nvGraphicFramePr>
-        <p:xfrm>
-          <a:off x="291106" y="175202"/>
-          <a:ext cx="11570219" cy="628295"/>
-        </p:xfrm>
-        <a:graphic>
-          <a:graphicData uri="http://schemas.openxmlformats.org/drawingml/2006/table">
-            <a:tbl>
-              <a:tblPr firstRow="1" bandRow="1">
-                <a:tableStyleId>{5FD0F851-EC5A-4D38-B0AD-8093EC10F338}</a:tableStyleId>
-              </a:tblPr>
-              <a:tblGrid>
-                <a:gridCol w="11570219">
-                  <a:extLst>
-                    <a:ext uri="{9D8B030D-6E8A-4147-A177-3AD203B41FA5}">
-                      <a16:colId xmlns:a16="http://schemas.microsoft.com/office/drawing/2014/main" val="2952159737"/>
-                    </a:ext>
-                  </a:extLst>
-                </a:gridCol>
-              </a:tblGrid>
-              <a:tr h="628295">
-                <a:tc>
-                  <a:txBody>
-                    <a:bodyPr/>
-                    <a:lstStyle/>
-                    <a:p>
-                      <a:pPr algn="ctr"/>
-                      <a:endParaRPr lang="es-PE" sz="1800" dirty="0">
-                        <a:effectLst>
-                          <a:outerShdw blurRad="38100" dist="38100" dir="2700000" algn="tl">
-                            <a:srgbClr val="000000">
-                              <a:alpha val="43137"/>
-                            </a:srgbClr>
-                          </a:outerShdw>
-                        </a:effectLst>
-                      </a:endParaRPr>
-                    </a:p>
-                  </a:txBody>
-                  <a:tcPr anchor="ctr"/>
-                </a:tc>
-                <a:extLst>
-                  <a:ext uri="{0D108BD9-81ED-4DB2-BD59-A6C34878D82A}">
-                    <a16:rowId xmlns:a16="http://schemas.microsoft.com/office/drawing/2014/main" val="3283664342"/>
-                  </a:ext>
-                </a:extLst>
-              </a:tr>
-            </a:tbl>
-          </a:graphicData>
-        </a:graphic>
-      </p:graphicFrame>
-      <p:sp>
-        <p:nvSpPr>
-          <p:cNvPr id="282" name="Rectángulo redondeado 281">
-            <a:extLst>
-              <a:ext uri="{FF2B5EF4-FFF2-40B4-BE49-F238E27FC236}">
-                <a16:creationId xmlns:a16="http://schemas.microsoft.com/office/drawing/2014/main" id="{043A9970-5DB8-BF41-8012-E4C17B3B8543}"/>
-              </a:ext>
-            </a:extLst>
-          </p:cNvPr>
-          <p:cNvSpPr/>
-          <p:nvPr/>
-        </p:nvSpPr>
-        <p:spPr>
-          <a:xfrm>
-            <a:off x="139673" y="127246"/>
-            <a:ext cx="11875543" cy="6581898"/>
-          </a:xfrm>
-          <a:prstGeom prst="roundRect">
-            <a:avLst>
-              <a:gd name="adj" fmla="val 3582"/>
-            </a:avLst>
-          </a:prstGeom>
-          <a:noFill/>
-          <a:ln w="28575">
-            <a:solidFill>
-              <a:schemeClr val="accent5">
-                <a:lumMod val="75000"/>
-              </a:schemeClr>
-            </a:solidFill>
-          </a:ln>
-        </p:spPr>
-        <p:style>
-          <a:lnRef idx="2">
-            <a:schemeClr val="accent1">
-              <a:shade val="50000"/>
-            </a:schemeClr>
-          </a:lnRef>
-          <a:fillRef idx="1">
-            <a:schemeClr val="accent1"/>
-          </a:fillRef>
-          <a:effectRef idx="0">
-            <a:schemeClr val="accent1"/>
-          </a:effectRef>
-          <a:fontRef idx="minor">
-            <a:schemeClr val="lt1"/>
-          </a:fontRef>
-        </p:style>
-        <p:txBody>
-          <a:bodyPr rtlCol="0" anchor="ctr"/>
-          <a:lstStyle/>
-          <a:p>
-            <a:pPr algn="ctr"/>
-            <a:endParaRPr lang="es-CO"/>
-          </a:p>
-        </p:txBody>
-      </p:sp>
-      <p:pic>
-        <p:nvPicPr>
-          <p:cNvPr id="35" name="Imagen 34">
-            <a:extLst>
-              <a:ext uri="{FF2B5EF4-FFF2-40B4-BE49-F238E27FC236}">
-                <a16:creationId xmlns:a16="http://schemas.microsoft.com/office/drawing/2014/main" id="{BFBC6B94-A5ED-E34D-BF0B-749C6BC98981}"/>
-              </a:ext>
-            </a:extLst>
-          </p:cNvPr>
-          <p:cNvPicPr>
-            <a:picLocks noChangeAspect="1"/>
-          </p:cNvPicPr>
-          <p:nvPr/>
-        </p:nvPicPr>
-        <p:blipFill>
-          <a:blip r:embed="rId2"/>
-          <a:stretch>
-            <a:fillRect/>
-          </a:stretch>
-        </p:blipFill>
-        <p:spPr>
-          <a:xfrm>
-            <a:off x="328915" y="237654"/>
-            <a:ext cx="1978121" cy="519963"/>
-          </a:xfrm>
-          <a:prstGeom prst="rect">
-            <a:avLst/>
-          </a:prstGeom>
-        </p:spPr>
-      </p:pic>
-      <p:pic>
-        <p:nvPicPr>
-          <p:cNvPr id="5" name="Imagen 4">
-            <a:extLst>
-              <a:ext uri="{FF2B5EF4-FFF2-40B4-BE49-F238E27FC236}">
-                <a16:creationId xmlns:a16="http://schemas.microsoft.com/office/drawing/2014/main" id="{5C56152E-440B-437B-95F7-6F5C7AE00FB2}"/>
-              </a:ext>
-            </a:extLst>
-          </p:cNvPr>
-          <p:cNvPicPr/>
-          <p:nvPr/>
-        </p:nvPicPr>
-        <p:blipFill>
-          <a:blip r:embed="rId3"/>
-          <a:stretch>
-            <a:fillRect/>
-          </a:stretch>
-        </p:blipFill>
-        <p:spPr>
-          <a:xfrm>
-            <a:off x="2598005" y="966374"/>
-            <a:ext cx="6995990" cy="4925251"/>
-          </a:xfrm>
-          <a:prstGeom prst="rect">
-            <a:avLst/>
-          </a:prstGeom>
-        </p:spPr>
-      </p:pic>
-      <p:sp>
-        <p:nvSpPr>
-          <p:cNvPr id="6" name="CuadroTexto 5">
-            <a:extLst>
-              <a:ext uri="{FF2B5EF4-FFF2-40B4-BE49-F238E27FC236}">
-                <a16:creationId xmlns:a16="http://schemas.microsoft.com/office/drawing/2014/main" id="{46DF9991-E8B0-4CBF-A347-5909A24AB6AF}"/>
-              </a:ext>
-            </a:extLst>
-          </p:cNvPr>
-          <p:cNvSpPr txBox="1"/>
-          <p:nvPr/>
-        </p:nvSpPr>
-        <p:spPr>
-          <a:xfrm>
-            <a:off x="3707129" y="298032"/>
-            <a:ext cx="4016805" cy="369332"/>
-          </a:xfrm>
-          <a:prstGeom prst="rect">
-            <a:avLst/>
-          </a:prstGeom>
-          <a:noFill/>
-        </p:spPr>
-        <p:txBody>
-          <a:bodyPr wrap="none" rtlCol="0">
-            <a:spAutoFit/>
-          </a:bodyPr>
-          <a:lstStyle/>
-          <a:p>
-            <a:r>
-              <a:rPr lang="es-ES" dirty="0"/>
-              <a:t>DESPLIEGUE CONTINUO AZURE - DEVOPS</a:t>
-            </a:r>
-            <a:endParaRPr lang="es-CO" dirty="0"/>
-          </a:p>
-        </p:txBody>
-      </p:sp>
-    </p:spTree>
-    <p:extLst>
-      <p:ext uri="{BB962C8B-B14F-4D97-AF65-F5344CB8AC3E}">
-        <p14:creationId xmlns:p14="http://schemas.microsoft.com/office/powerpoint/2010/main" val="1845507139"/>
       </p:ext>
     </p:extLst>
   </p:cSld>
